--- a/项目计划书/G01小组项目计划PPT0.4.pptx
+++ b/项目计划书/G01小组项目计划PPT0.4.pptx
@@ -7,7 +7,7 @@
     <p:sldMasterId id="2147483672" r:id="rId3"/>
   </p:sldMasterIdLst>
   <p:notesMasterIdLst>
-    <p:notesMasterId r:id="rId26"/>
+    <p:notesMasterId r:id="rId25"/>
   </p:notesMasterIdLst>
   <p:sldIdLst>
     <p:sldId id="257" r:id="rId4"/>
@@ -26,17 +26,16 @@
     <p:sldId id="377" r:id="rId17"/>
     <p:sldId id="373" r:id="rId18"/>
     <p:sldId id="378" r:id="rId19"/>
-    <p:sldId id="379" r:id="rId20"/>
-    <p:sldId id="380" r:id="rId21"/>
-    <p:sldId id="304" r:id="rId22"/>
-    <p:sldId id="301" r:id="rId23"/>
-    <p:sldId id="303" r:id="rId24"/>
-    <p:sldId id="298" r:id="rId25"/>
+    <p:sldId id="380" r:id="rId20"/>
+    <p:sldId id="304" r:id="rId21"/>
+    <p:sldId id="301" r:id="rId22"/>
+    <p:sldId id="303" r:id="rId23"/>
+    <p:sldId id="298" r:id="rId24"/>
   </p:sldIdLst>
   <p:sldSz cx="9144000" cy="6858000" type="screen4x3"/>
   <p:notesSz cx="6858000" cy="9144000"/>
   <p:custDataLst>
-    <p:tags r:id="rId27"/>
+    <p:tags r:id="rId26"/>
   </p:custDataLst>
   <p:defaultTextStyle>
     <a:defPPr>
@@ -830,7 +829,7 @@
           <a:p>
             <a:fld id="{28085199-D7E7-416F-9D71-3AF4885C2DF5}" type="slidenum">
               <a:rPr lang="zh-CN" altLang="en-US" smtClean="0"/>
-              <a:t>20</a:t>
+              <a:t>19</a:t>
             </a:fld>
             <a:endParaRPr lang="zh-CN" altLang="en-US"/>
           </a:p>
@@ -914,7 +913,7 @@
           <a:p>
             <a:fld id="{28085199-D7E7-416F-9D71-3AF4885C2DF5}" type="slidenum">
               <a:rPr lang="zh-CN" altLang="en-US" smtClean="0"/>
-              <a:t>22</a:t>
+              <a:t>21</a:t>
             </a:fld>
             <a:endParaRPr lang="zh-CN" altLang="en-US"/>
           </a:p>
@@ -15961,424 +15960,6 @@
                   <a:sysClr val="window" lastClr="FFFFFF"/>
                 </a:solidFill>
               </a:rPr>
-              <a:t>6</a:t>
-            </a:r>
-            <a:r>
-              <a:rPr lang="en-US" altLang="zh-CN" spc="300" dirty="0">
-                <a:solidFill>
-                  <a:sysClr val="window" lastClr="FFFFFF"/>
-                </a:solidFill>
-                <a:uFillTx/>
-                <a:latin typeface="微软雅黑" panose="020B0503020204020204" charset="-122"/>
-                <a:ea typeface="微软雅黑" panose="020B0503020204020204" charset="-122"/>
-              </a:rPr>
-              <a:t>.</a:t>
-            </a:r>
-            <a:r>
-              <a:rPr lang="zh-CN" altLang="en-US" spc="300" dirty="0">
-                <a:solidFill>
-                  <a:sysClr val="window" lastClr="FFFFFF"/>
-                </a:solidFill>
-              </a:rPr>
-              <a:t>会议记录</a:t>
-            </a:r>
-            <a:endParaRPr lang="zh-CN" altLang="en-US" dirty="0">
-              <a:solidFill>
-                <a:schemeClr val="bg1"/>
-              </a:solidFill>
-              <a:sym typeface="+mn-ea"/>
-            </a:endParaRPr>
-          </a:p>
-        </p:txBody>
-      </p:sp>
-      <p:pic>
-        <p:nvPicPr>
-          <p:cNvPr id="6" name="图片 5"/>
-          <p:cNvPicPr>
-            <a:picLocks noChangeAspect="1"/>
-          </p:cNvPicPr>
-          <p:nvPr/>
-        </p:nvPicPr>
-        <p:blipFill rotWithShape="1">
-          <a:blip r:embed="rId6"/>
-          <a:srcRect l="31100" t="15473" r="31100"/>
-          <a:stretch/>
-        </p:blipFill>
-        <p:spPr>
-          <a:xfrm>
-            <a:off x="5148064" y="2348880"/>
-            <a:ext cx="3456384" cy="4230886"/>
-          </a:xfrm>
-          <a:prstGeom prst="rect">
-            <a:avLst/>
-          </a:prstGeom>
-        </p:spPr>
-      </p:pic>
-      <p:sp>
-        <p:nvSpPr>
-          <p:cNvPr id="7" name="文本框 6"/>
-          <p:cNvSpPr txBox="1"/>
-          <p:nvPr>
-            <p:custDataLst>
-              <p:tags r:id="rId4"/>
-            </p:custDataLst>
-          </p:nvPr>
-        </p:nvSpPr>
-        <p:spPr>
-          <a:xfrm>
-            <a:off x="323528" y="1458295"/>
-            <a:ext cx="3080780" cy="710952"/>
-          </a:xfrm>
-          <a:prstGeom prst="rect">
-            <a:avLst/>
-          </a:prstGeom>
-          <a:noFill/>
-        </p:spPr>
-        <p:txBody>
-          <a:bodyPr vert="horz" lIns="67500" tIns="35100" rIns="67500" bIns="35100" rtlCol="0" anchor="ctr">
-            <a:noAutofit/>
-          </a:bodyPr>
-          <a:lstStyle>
-            <a:lvl1pPr marL="285750" indent="-285750" fontAlgn="auto">
-              <a:lnSpc>
-                <a:spcPct val="130000"/>
-              </a:lnSpc>
-              <a:spcBef>
-                <a:spcPts val="0"/>
-              </a:spcBef>
-              <a:spcAft>
-                <a:spcPts val="800"/>
-              </a:spcAft>
-              <a:buFont typeface="微软雅黑" panose="020B0503020204020204" charset="-122"/>
-              <a:buAutoNum type="ea1JpnChsDbPeriod"/>
-              <a:defRPr sz="1050" u="none" strike="noStrike" cap="none" spc="150" normalizeH="0" baseline="0">
-                <a:solidFill>
-                  <a:sysClr val="windowText" lastClr="000000">
-                    <a:lumMod val="95000"/>
-                    <a:lumOff val="5000"/>
-                  </a:sysClr>
-                </a:solidFill>
-                <a:uFillTx/>
-                <a:latin typeface="微软雅黑" panose="020B0503020204020204" charset="-122"/>
-                <a:ea typeface="微软雅黑" panose="020B0503020204020204" charset="-122"/>
-              </a:defRPr>
-            </a:lvl1pPr>
-            <a:lvl2pPr marL="685800" indent="-228600" fontAlgn="auto">
-              <a:lnSpc>
-                <a:spcPct val="130000"/>
-              </a:lnSpc>
-              <a:spcBef>
-                <a:spcPts val="0"/>
-              </a:spcBef>
-              <a:spcAft>
-                <a:spcPts val="1000"/>
-              </a:spcAft>
-              <a:buFont typeface="Arial" panose="020B0604020202020204" pitchFamily="34" charset="0"/>
-              <a:buChar char="•"/>
-              <a:tabLst>
-                <a:tab pos="1609725" algn="l"/>
-              </a:tabLst>
-              <a:defRPr sz="1600" u="none" strike="noStrike" cap="none" spc="150" normalizeH="0" baseline="0">
-                <a:uFillTx/>
-                <a:latin typeface="Arial" panose="020B0604020202020204" pitchFamily="34" charset="0"/>
-                <a:ea typeface="微软雅黑" panose="020B0503020204020204" charset="-122"/>
-              </a:defRPr>
-            </a:lvl2pPr>
-            <a:lvl3pPr marL="1143000" indent="-228600" fontAlgn="auto">
-              <a:lnSpc>
-                <a:spcPct val="130000"/>
-              </a:lnSpc>
-              <a:spcBef>
-                <a:spcPts val="0"/>
-              </a:spcBef>
-              <a:spcAft>
-                <a:spcPts val="1000"/>
-              </a:spcAft>
-              <a:buFont typeface="Arial" panose="020B0604020202020204" pitchFamily="34" charset="0"/>
-              <a:buChar char="•"/>
-              <a:defRPr sz="1600" u="none" strike="noStrike" cap="none" spc="150" normalizeH="0" baseline="0">
-                <a:uFillTx/>
-                <a:latin typeface="Arial" panose="020B0604020202020204" pitchFamily="34" charset="0"/>
-                <a:ea typeface="微软雅黑" panose="020B0503020204020204" charset="-122"/>
-              </a:defRPr>
-            </a:lvl3pPr>
-            <a:lvl4pPr marL="1600200" indent="-228600" fontAlgn="auto">
-              <a:lnSpc>
-                <a:spcPct val="130000"/>
-              </a:lnSpc>
-              <a:spcBef>
-                <a:spcPts val="0"/>
-              </a:spcBef>
-              <a:spcAft>
-                <a:spcPts val="1000"/>
-              </a:spcAft>
-              <a:buFont typeface="Arial" panose="020B0604020202020204" pitchFamily="34" charset="0"/>
-              <a:buChar char="•"/>
-              <a:defRPr sz="1600" u="none" strike="noStrike" cap="none" spc="150" normalizeH="0" baseline="0">
-                <a:uFillTx/>
-                <a:latin typeface="Arial" panose="020B0604020202020204" pitchFamily="34" charset="0"/>
-                <a:ea typeface="微软雅黑" panose="020B0503020204020204" charset="-122"/>
-              </a:defRPr>
-            </a:lvl4pPr>
-            <a:lvl5pPr marL="2057400" indent="-228600" fontAlgn="auto">
-              <a:lnSpc>
-                <a:spcPct val="130000"/>
-              </a:lnSpc>
-              <a:spcBef>
-                <a:spcPts val="0"/>
-              </a:spcBef>
-              <a:spcAft>
-                <a:spcPts val="1000"/>
-              </a:spcAft>
-              <a:buFont typeface="Arial" panose="020B0604020202020204" pitchFamily="34" charset="0"/>
-              <a:buChar char="•"/>
-              <a:defRPr sz="1600" u="none" strike="noStrike" cap="none" spc="150" normalizeH="0" baseline="0">
-                <a:uFillTx/>
-                <a:latin typeface="Arial" panose="020B0604020202020204" pitchFamily="34" charset="0"/>
-                <a:ea typeface="微软雅黑" panose="020B0503020204020204" charset="-122"/>
-              </a:defRPr>
-            </a:lvl5pPr>
-            <a:lvl6pPr marL="2514600" indent="-228600">
-              <a:lnSpc>
-                <a:spcPct val="90000"/>
-              </a:lnSpc>
-              <a:spcBef>
-                <a:spcPts val="500"/>
-              </a:spcBef>
-              <a:buFont typeface="Arial" panose="020B0604020202020204" pitchFamily="34" charset="0"/>
-              <a:buChar char="•"/>
-            </a:lvl6pPr>
-            <a:lvl7pPr marL="2971800" indent="-228600">
-              <a:lnSpc>
-                <a:spcPct val="90000"/>
-              </a:lnSpc>
-              <a:spcBef>
-                <a:spcPts val="500"/>
-              </a:spcBef>
-              <a:buFont typeface="Arial" panose="020B0604020202020204" pitchFamily="34" charset="0"/>
-              <a:buChar char="•"/>
-            </a:lvl7pPr>
-            <a:lvl8pPr marL="3429000" indent="-228600">
-              <a:lnSpc>
-                <a:spcPct val="90000"/>
-              </a:lnSpc>
-              <a:spcBef>
-                <a:spcPts val="500"/>
-              </a:spcBef>
-              <a:buFont typeface="Arial" panose="020B0604020202020204" pitchFamily="34" charset="0"/>
-              <a:buChar char="•"/>
-            </a:lvl8pPr>
-            <a:lvl9pPr marL="3886200" indent="-228600">
-              <a:lnSpc>
-                <a:spcPct val="90000"/>
-              </a:lnSpc>
-              <a:spcBef>
-                <a:spcPts val="500"/>
-              </a:spcBef>
-              <a:buFont typeface="Arial" panose="020B0604020202020204" pitchFamily="34" charset="0"/>
-              <a:buChar char="•"/>
-            </a:lvl9pPr>
-          </a:lstStyle>
-          <a:p>
-            <a:pPr>
-              <a:lnSpc>
-                <a:spcPts val="3200"/>
-              </a:lnSpc>
-              <a:buSzPct val="70000"/>
-              <a:buFont typeface="Wingdings" panose="05000000000000000000" pitchFamily="2" charset="2"/>
-              <a:buChar char="l"/>
-              <a:defRPr/>
-            </a:pPr>
-            <a:r>
-              <a:rPr lang="zh-CN" altLang="en-US" sz="2000" b="1" dirty="0">
-                <a:latin typeface="+mn-ea"/>
-              </a:rPr>
-              <a:t>这是我们小组的会议记录的截图</a:t>
-            </a:r>
-            <a:endParaRPr lang="zh-CN" altLang="en-US" sz="1100" dirty="0">
-              <a:uFillTx/>
-            </a:endParaRPr>
-          </a:p>
-        </p:txBody>
-      </p:sp>
-      <p:pic>
-        <p:nvPicPr>
-          <p:cNvPr id="8" name="图片 7"/>
-          <p:cNvPicPr>
-            <a:picLocks noChangeAspect="1"/>
-          </p:cNvPicPr>
-          <p:nvPr/>
-        </p:nvPicPr>
-        <p:blipFill rotWithShape="1">
-          <a:blip r:embed="rId7"/>
-          <a:srcRect l="28738" t="16912" r="29525"/>
-          <a:stretch/>
-        </p:blipFill>
-        <p:spPr>
-          <a:xfrm>
-            <a:off x="1115616" y="2420888"/>
-            <a:ext cx="3816424" cy="4158878"/>
-          </a:xfrm>
-          <a:prstGeom prst="rect">
-            <a:avLst/>
-          </a:prstGeom>
-        </p:spPr>
-      </p:pic>
-    </p:spTree>
-    <p:custDataLst>
-      <p:tags r:id="rId1"/>
-    </p:custDataLst>
-    <p:extLst>
-      <p:ext uri="{BB962C8B-B14F-4D97-AF65-F5344CB8AC3E}">
-        <p14:creationId xmlns:p14="http://schemas.microsoft.com/office/powerpoint/2010/main" val="1062682240"/>
-      </p:ext>
-    </p:extLst>
-  </p:cSld>
-  <p:clrMapOvr>
-    <a:masterClrMapping/>
-  </p:clrMapOvr>
-  <p:transition spd="slow">
-    <p:fade/>
-  </p:transition>
-</p:sld>
-</file>
-
-<file path=ppt/slides/slide18.xml><?xml version="1.0" encoding="utf-8"?>
-<p:sld xmlns:a="http://schemas.openxmlformats.org/drawingml/2006/main" xmlns:r="http://schemas.openxmlformats.org/officeDocument/2006/relationships" xmlns:p="http://schemas.openxmlformats.org/presentationml/2006/main">
-  <p:cSld>
-    <p:spTree>
-      <p:nvGrpSpPr>
-        <p:cNvPr id="1" name=""/>
-        <p:cNvGrpSpPr/>
-        <p:nvPr/>
-      </p:nvGrpSpPr>
-      <p:grpSpPr>
-        <a:xfrm>
-          <a:off x="0" y="0"/>
-          <a:ext cx="0" cy="0"/>
-          <a:chOff x="0" y="0"/>
-          <a:chExt cx="0" cy="0"/>
-        </a:xfrm>
-      </p:grpSpPr>
-      <p:sp>
-        <p:nvSpPr>
-          <p:cNvPr id="2" name="矩形 1"/>
-          <p:cNvSpPr/>
-          <p:nvPr>
-            <p:custDataLst>
-              <p:tags r:id="rId2"/>
-            </p:custDataLst>
-          </p:nvPr>
-        </p:nvSpPr>
-        <p:spPr>
-          <a:xfrm>
-            <a:off x="0" y="34290"/>
-            <a:ext cx="9144000" cy="1317121"/>
-          </a:xfrm>
-          <a:prstGeom prst="rect">
-            <a:avLst/>
-          </a:prstGeom>
-          <a:solidFill>
-            <a:srgbClr val="E7E6E6">
-              <a:lumMod val="25000"/>
-            </a:srgbClr>
-          </a:solidFill>
-          <a:ln>
-            <a:noFill/>
-          </a:ln>
-        </p:spPr>
-        <p:style>
-          <a:lnRef idx="2">
-            <a:srgbClr val="5B9BD5">
-              <a:shade val="50000"/>
-            </a:srgbClr>
-          </a:lnRef>
-          <a:fillRef idx="1">
-            <a:srgbClr val="5B9BD5"/>
-          </a:fillRef>
-          <a:effectRef idx="0">
-            <a:srgbClr val="5B9BD5"/>
-          </a:effectRef>
-          <a:fontRef idx="minor">
-            <a:sysClr val="window" lastClr="FFFFFF"/>
-          </a:fontRef>
-        </p:style>
-        <p:txBody>
-          <a:bodyPr rtlCol="0" anchor="ctr"/>
-          <a:lstStyle/>
-          <a:p>
-            <a:pPr algn="ctr"/>
-            <a:endParaRPr lang="zh-CN" altLang="en-US" sz="1350">
-              <a:latin typeface="微软雅黑" panose="020B0503020204020204" charset="-122"/>
-              <a:ea typeface="微软雅黑" panose="020B0503020204020204" charset="-122"/>
-            </a:endParaRPr>
-          </a:p>
-        </p:txBody>
-      </p:sp>
-      <p:sp>
-        <p:nvSpPr>
-          <p:cNvPr id="4" name="标题 1"/>
-          <p:cNvSpPr>
-            <a:spLocks noGrp="1"/>
-          </p:cNvSpPr>
-          <p:nvPr>
-            <p:custDataLst>
-              <p:tags r:id="rId3"/>
-            </p:custDataLst>
-          </p:nvPr>
-        </p:nvSpPr>
-        <p:spPr>
-          <a:xfrm>
-            <a:off x="467544" y="496650"/>
-            <a:ext cx="8342447" cy="484078"/>
-          </a:xfrm>
-          <a:prstGeom prst="rect">
-            <a:avLst/>
-          </a:prstGeom>
-        </p:spPr>
-        <p:txBody>
-          <a:bodyPr vert="horz" lIns="101600" tIns="38100" rIns="76200" bIns="38100" rtlCol="0" anchor="t" anchorCtr="0">
-            <a:noAutofit/>
-          </a:bodyPr>
-          <a:lstStyle>
-            <a:lvl1pPr algn="l" defTabSz="914400" rtl="0" eaLnBrk="1" fontAlgn="auto" latinLnBrk="0" hangingPunct="1">
-              <a:lnSpc>
-                <a:spcPct val="100000"/>
-              </a:lnSpc>
-              <a:spcBef>
-                <a:spcPct val="0"/>
-              </a:spcBef>
-              <a:buNone/>
-              <a:defRPr sz="2400" b="1" u="none" strike="noStrike" kern="1200" cap="none" spc="200" normalizeH="0">
-                <a:solidFill>
-                  <a:sysClr val="windowText" lastClr="000000"/>
-                </a:solidFill>
-                <a:uFillTx/>
-                <a:latin typeface="微软雅黑" panose="020B0503020204020204" charset="-122"/>
-                <a:ea typeface="微软雅黑" panose="020B0503020204020204" charset="-122"/>
-                <a:cs typeface="+mn-ea"/>
-              </a:defRPr>
-            </a:lvl1pPr>
-          </a:lstStyle>
-          <a:p>
-            <a:pPr marL="0" indent="0" algn="l">
-              <a:lnSpc>
-                <a:spcPct val="100000"/>
-              </a:lnSpc>
-              <a:spcBef>
-                <a:spcPts val="0"/>
-              </a:spcBef>
-              <a:spcAft>
-                <a:spcPts val="0"/>
-              </a:spcAft>
-              <a:buSzPct val="100000"/>
-            </a:pPr>
-            <a:r>
-              <a:rPr lang="en-US" altLang="zh-CN" spc="300" dirty="0">
-                <a:solidFill>
-                  <a:sysClr val="window" lastClr="FFFFFF"/>
-                </a:solidFill>
-              </a:rPr>
               <a:t>7</a:t>
             </a:r>
             <a:r>
@@ -17144,7 +16725,7 @@
 </p:sld>
 </file>
 
-<file path=ppt/slides/slide19.xml><?xml version="1.0" encoding="utf-8"?>
+<file path=ppt/slides/slide18.xml><?xml version="1.0" encoding="utf-8"?>
 <p:sld xmlns:a="http://schemas.openxmlformats.org/drawingml/2006/main" xmlns:r="http://schemas.openxmlformats.org/officeDocument/2006/relationships" xmlns:p="http://schemas.openxmlformats.org/presentationml/2006/main">
   <p:cSld>
     <p:spTree>
@@ -17763,6 +17344,83 @@
 </p:sld>
 </file>
 
+<file path=ppt/slides/slide19.xml><?xml version="1.0" encoding="utf-8"?>
+<p:sld xmlns:a="http://schemas.openxmlformats.org/drawingml/2006/main" xmlns:r="http://schemas.openxmlformats.org/officeDocument/2006/relationships" xmlns:p="http://schemas.openxmlformats.org/presentationml/2006/main">
+  <p:cSld>
+    <p:spTree>
+      <p:nvGrpSpPr>
+        <p:cNvPr id="1" name=""/>
+        <p:cNvGrpSpPr/>
+        <p:nvPr/>
+      </p:nvGrpSpPr>
+      <p:grpSpPr>
+        <a:xfrm>
+          <a:off x="0" y="0"/>
+          <a:ext cx="0" cy="0"/>
+          <a:chOff x="0" y="0"/>
+          <a:chExt cx="0" cy="0"/>
+        </a:xfrm>
+      </p:grpSpPr>
+      <p:sp>
+        <p:nvSpPr>
+          <p:cNvPr id="7" name="文本框 6"/>
+          <p:cNvSpPr txBox="1"/>
+          <p:nvPr>
+            <p:custDataLst>
+              <p:tags r:id="rId2"/>
+            </p:custDataLst>
+          </p:nvPr>
+        </p:nvSpPr>
+        <p:spPr>
+          <a:xfrm>
+            <a:off x="3333750" y="1888733"/>
+            <a:ext cx="2143125" cy="1985159"/>
+          </a:xfrm>
+          <a:prstGeom prst="rect">
+            <a:avLst/>
+          </a:prstGeom>
+          <a:noFill/>
+        </p:spPr>
+        <p:txBody>
+          <a:bodyPr wrap="square" lIns="67500" tIns="35100" rIns="67500" bIns="35100" rtlCol="0" anchor="ctr">
+            <a:normAutofit fontScale="77500" lnSpcReduction="20000"/>
+          </a:bodyPr>
+          <a:lstStyle>
+            <a:defPPr>
+              <a:defRPr lang="zh-CN"/>
+            </a:defPPr>
+            <a:lvl1pPr algn="ctr">
+              <a:defRPr sz="16600">
+                <a:solidFill>
+                  <a:schemeClr val="bg1"/>
+                </a:solidFill>
+                <a:cs typeface="Arial" panose="020B0604020202020204" pitchFamily="34" charset="0"/>
+              </a:defRPr>
+            </a:lvl1pPr>
+          </a:lstStyle>
+          <a:p>
+            <a:r>
+              <a:rPr lang="zh-CN" altLang="en-US" sz="9600"/>
+              <a:t>小组分工</a:t>
+            </a:r>
+            <a:endParaRPr lang="zh-CN" altLang="en-US" sz="9600" dirty="0"/>
+          </a:p>
+        </p:txBody>
+      </p:sp>
+    </p:spTree>
+    <p:custDataLst>
+      <p:tags r:id="rId1"/>
+    </p:custDataLst>
+  </p:cSld>
+  <p:clrMapOvr>
+    <a:masterClrMapping/>
+  </p:clrMapOvr>
+  <p:transition spd="slow">
+    <p:fade/>
+  </p:transition>
+</p:sld>
+</file>
+
 <file path=ppt/slides/slide2.xml><?xml version="1.0" encoding="utf-8"?>
 <p:sld xmlns:a="http://schemas.openxmlformats.org/drawingml/2006/main" xmlns:r="http://schemas.openxmlformats.org/officeDocument/2006/relationships" xmlns:p="http://schemas.openxmlformats.org/presentationml/2006/main">
   <p:cSld>
@@ -17840,83 +17498,6 @@
 </file>
 
 <file path=ppt/slides/slide20.xml><?xml version="1.0" encoding="utf-8"?>
-<p:sld xmlns:a="http://schemas.openxmlformats.org/drawingml/2006/main" xmlns:r="http://schemas.openxmlformats.org/officeDocument/2006/relationships" xmlns:p="http://schemas.openxmlformats.org/presentationml/2006/main">
-  <p:cSld>
-    <p:spTree>
-      <p:nvGrpSpPr>
-        <p:cNvPr id="1" name=""/>
-        <p:cNvGrpSpPr/>
-        <p:nvPr/>
-      </p:nvGrpSpPr>
-      <p:grpSpPr>
-        <a:xfrm>
-          <a:off x="0" y="0"/>
-          <a:ext cx="0" cy="0"/>
-          <a:chOff x="0" y="0"/>
-          <a:chExt cx="0" cy="0"/>
-        </a:xfrm>
-      </p:grpSpPr>
-      <p:sp>
-        <p:nvSpPr>
-          <p:cNvPr id="7" name="文本框 6"/>
-          <p:cNvSpPr txBox="1"/>
-          <p:nvPr>
-            <p:custDataLst>
-              <p:tags r:id="rId2"/>
-            </p:custDataLst>
-          </p:nvPr>
-        </p:nvSpPr>
-        <p:spPr>
-          <a:xfrm>
-            <a:off x="3333750" y="1888733"/>
-            <a:ext cx="2143125" cy="1985159"/>
-          </a:xfrm>
-          <a:prstGeom prst="rect">
-            <a:avLst/>
-          </a:prstGeom>
-          <a:noFill/>
-        </p:spPr>
-        <p:txBody>
-          <a:bodyPr wrap="square" lIns="67500" tIns="35100" rIns="67500" bIns="35100" rtlCol="0" anchor="ctr">
-            <a:normAutofit fontScale="77500" lnSpcReduction="20000"/>
-          </a:bodyPr>
-          <a:lstStyle>
-            <a:defPPr>
-              <a:defRPr lang="zh-CN"/>
-            </a:defPPr>
-            <a:lvl1pPr algn="ctr">
-              <a:defRPr sz="16600">
-                <a:solidFill>
-                  <a:schemeClr val="bg1"/>
-                </a:solidFill>
-                <a:cs typeface="Arial" panose="020B0604020202020204" pitchFamily="34" charset="0"/>
-              </a:defRPr>
-            </a:lvl1pPr>
-          </a:lstStyle>
-          <a:p>
-            <a:r>
-              <a:rPr lang="zh-CN" altLang="en-US" sz="9600"/>
-              <a:t>小组分工</a:t>
-            </a:r>
-            <a:endParaRPr lang="zh-CN" altLang="en-US" sz="9600" dirty="0"/>
-          </a:p>
-        </p:txBody>
-      </p:sp>
-    </p:spTree>
-    <p:custDataLst>
-      <p:tags r:id="rId1"/>
-    </p:custDataLst>
-  </p:cSld>
-  <p:clrMapOvr>
-    <a:masterClrMapping/>
-  </p:clrMapOvr>
-  <p:transition spd="slow">
-    <p:fade/>
-  </p:transition>
-</p:sld>
-</file>
-
-<file path=ppt/slides/slide21.xml><?xml version="1.0" encoding="utf-8"?>
 <p:sld xmlns:a="http://schemas.openxmlformats.org/drawingml/2006/main" xmlns:r="http://schemas.openxmlformats.org/officeDocument/2006/relationships" xmlns:p="http://schemas.openxmlformats.org/presentationml/2006/main">
   <p:cSld>
     <p:spTree>
@@ -18540,7 +18121,7 @@
 </p:sld>
 </file>
 
-<file path=ppt/slides/slide22.xml><?xml version="1.0" encoding="utf-8"?>
+<file path=ppt/slides/slide21.xml><?xml version="1.0" encoding="utf-8"?>
 <p:sld xmlns:a="http://schemas.openxmlformats.org/drawingml/2006/main" xmlns:r="http://schemas.openxmlformats.org/officeDocument/2006/relationships" xmlns:p="http://schemas.openxmlformats.org/presentationml/2006/main">
   <p:cSld>
     <p:spTree>
@@ -19913,7 +19494,7 @@
               <a:rPr lang="zh-CN" altLang="en-US" sz="2400" b="1" dirty="0">
                 <a:latin typeface="+mn-ea"/>
               </a:rPr>
-              <a:t>项目的用户：游戏玩家以及游戏攻略制作人等主要用户和杨枨老师</a:t>
+              <a:t>项目的用户：游戏玩家，游戏攻略作者和杨枨老师</a:t>
             </a:r>
           </a:p>
           <a:p>
@@ -21469,13 +21050,7 @@
               <a:rPr lang="en-US" altLang="zh-CN" sz="2400" dirty="0" err="1">
                 <a:latin typeface="+mn-ea"/>
               </a:rPr>
-              <a:t>Hbuild</a:t>
-            </a:r>
-            <a:r>
-              <a:rPr lang="en-US" altLang="zh-CN" sz="2400" dirty="0">
-                <a:latin typeface="+mn-ea"/>
-              </a:rPr>
-              <a:t>[2]</a:t>
+              <a:t>Hbuilder</a:t>
             </a:r>
             <a:r>
               <a:rPr lang="zh-CN" altLang="en-US" sz="2400" dirty="0">
@@ -21514,18 +21089,6 @@
                 <a:latin typeface="+mn-ea"/>
               </a:rPr>
               <a:t>MySQL Server 5.5</a:t>
-            </a:r>
-            <a:r>
-              <a:rPr lang="zh-CN" altLang="en-US" sz="2400" dirty="0">
-                <a:latin typeface="+mn-ea"/>
-              </a:rPr>
-              <a:t>或者更高版本</a:t>
-            </a:r>
-            <a:r>
-              <a:rPr lang="en-US" altLang="zh-CN" sz="2400" dirty="0">
-                <a:latin typeface="+mn-ea"/>
-              </a:rPr>
-              <a:t>[3]</a:t>
             </a:r>
             <a:endParaRPr lang="zh-CN" altLang="en-US" sz="2400" dirty="0">
               <a:latin typeface="+mn-ea"/>
@@ -22619,7 +22182,7 @@
               <a:rPr lang="zh-CN" altLang="en-US" sz="1800" dirty="0">
                 <a:latin typeface="+mn-ea"/>
               </a:rPr>
-              <a:t>我们参考市面上相似的网站，大多功能比较常见，我们可以模仿着做，且组内两名有前端开发的经验，所以对于实现网站来说，难度不大。</a:t>
+              <a:t>我们可以参考现有的游戏攻略网站，且组内两名有前端开发的经验，判断没有无法解决的技术问题，论坛功能较难实现。</a:t>
             </a:r>
             <a:endParaRPr lang="en-US" altLang="zh-CN" sz="1800" dirty="0">
               <a:latin typeface="+mn-ea"/>
@@ -22992,7 +22555,7 @@
               <a:rPr lang="zh-CN" altLang="en-US" sz="1800" dirty="0">
                 <a:latin typeface="+mn-ea"/>
               </a:rPr>
-              <a:t>为了满足课程的需要，本网站暂时没有需要扩大规模的意图，不向用户索取任何费用，而开发工具大多为免费开源产品，所以在一定条件下，并不会消耗太多的资金。</a:t>
+              <a:t>开发这个网站的目的不是赚钱，不向用户索取任何费用。开发成本在可接受范围内。所以排除经济可行性的研究。</a:t>
             </a:r>
             <a:endParaRPr lang="en-US" altLang="zh-CN" sz="1800" dirty="0">
               <a:latin typeface="+mn-ea"/>
@@ -23365,7 +22928,7 @@
               <a:rPr lang="zh-CN" altLang="en-US" sz="1800" dirty="0">
                 <a:latin typeface="+mn-ea"/>
               </a:rPr>
-              <a:t>浏览网页，作为最早接触互联网的操作，只要是会电脑基本操作的人都可以方便的操作，仅需要键鼠操作，非常容易上手。</a:t>
+              <a:t>我们认为只要网页界面设计合理，用户就没有操作方法上的困难。</a:t>
             </a:r>
             <a:endParaRPr lang="en-US" altLang="zh-CN" sz="1800" dirty="0">
               <a:latin typeface="+mn-ea"/>
@@ -25614,13 +25177,45 @@
 
 <file path=ppt/tags/tag225.xml><?xml version="1.0" encoding="utf-8"?>
 <p:tagLst xmlns:a="http://schemas.openxmlformats.org/drawingml/2006/main" xmlns:r="http://schemas.openxmlformats.org/officeDocument/2006/relationships" xmlns:p="http://schemas.openxmlformats.org/presentationml/2006/main">
+  <p:tag name="KSO_WM_UNIT_HIGHLIGHT" val="0"/>
+  <p:tag name="KSO_WM_UNIT_COMPATIBLE" val="0"/>
+  <p:tag name="KSO_WM_UNIT_DIAGRAM_ISNUMVISUAL" val="0"/>
+  <p:tag name="KSO_WM_UNIT_DIAGRAM_ISREFERUNIT" val="0"/>
+  <p:tag name="KSO_WM_UNIT_ID" val="diagram20200773_1*f*1"/>
+  <p:tag name="KSO_WM_TEMPLATE_CATEGORY" val="diagram"/>
+  <p:tag name="KSO_WM_TEMPLATE_INDEX" val="20200773"/>
+  <p:tag name="KSO_WM_UNIT_LAYERLEVEL" val="1"/>
+  <p:tag name="KSO_WM_TAG_VERSION" val="1.0"/>
+  <p:tag name="KSO_WM_BEAUTIFY_FLAG" val="#wm#"/>
+  <p:tag name="KSO_WM_UNIT_PRESET_TEXT" val="单击此处添加文本具体内容，简明扼要的阐述您的观点。根据需要可酌情增减文字，以便观者准确的理解您传达的思想。单击此处添加文本具体内容，简明扼要的阐述您的观点。根据需要可酌情增减文字，以便观者准确的理解您传达的思想。单击此处添加文本具体内容，简明扼要的阐述您的观点。根据需要可酌情增减文字，以便观者准确的理解您传达的思想。&#10;单击此处添加文本具体内容，简明扼要的阐述您的观点。根据需要可酌情增减文字，以便观者准确的理解您传达的思想。&#10;单击此处添加文本具体内容，简明扼要的阐述您的观点。&#10;单击此处添加文本具体内容，简明扼要的阐述您的观点。&#10;单击此处添加文本具体内容，简明扼要的阐述您的观点。&#10;单击此处添加文本具体内容，简明扼要的阐述您的观点。根据需要可酌情增减文字，以便观者准确的理解您传达的思想。单击此处添加文本具体内容，简明扼要的阐述您的观点。根据需要可酌情增减文字，以便观者准确的理解您传达的思想。单击此处添加文本具体内容，简明扼要的阐述您的观点。根据需要可酌情增减文字，以便观者准确的理解您传达的思想。单击此处添加文本具体内容，简明扼要的阐述您的观点。&#10;单击此处添加文本具体内容，简明扼要的阐述您的观点。根据需要可酌情增减文字，以便观者准确的理解您传达的思想。单击此处添加文本具体内容，简明扼要的阐述您的观点。根据需要可酌情增减文字，以便观者准确的理解您传达的思想。&#10;单击此处添加文本具体内容，简明扼要的阐述您的观点。根据需要可酌情增减文字，以便观者准确的理解您传达的思想。单击此处添加文本具体内容，简明扼要的阐述您的观点。根据需要可酌情增减文字，以便观者准确的理解您传达的思想。单击此处添加文本具体内容，简明扼要的阐述您的观点。根据需要可酌情增减文字，以便观者准确的理解您传达的思想。&#10;单击此处添加文本具体内容。"/>
+  <p:tag name="KSO_WM_UNIT_NOCLEAR" val="0"/>
+  <p:tag name="KSO_WM_UNIT_VALUE" val="1680"/>
+  <p:tag name="KSO_WM_UNIT_TYPE" val="f"/>
+  <p:tag name="KSO_WM_UNIT_INDEX" val="1"/>
+</p:tagLst>
+</file>
+
+<file path=ppt/tags/tag226.xml><?xml version="1.0" encoding="utf-8"?>
+<p:tagLst xmlns:a="http://schemas.openxmlformats.org/drawingml/2006/main" xmlns:r="http://schemas.openxmlformats.org/officeDocument/2006/relationships" xmlns:p="http://schemas.openxmlformats.org/presentationml/2006/main">
+  <p:tag name="KSO_WM_SLIDE_ID" val="diagram20200773_1"/>
+  <p:tag name="KSO_WM_SLIDE_ITEM_CNT" val="0"/>
+  <p:tag name="KSO_WM_SLIDE_INDEX" val="1"/>
+  <p:tag name="KSO_WM_TAG_VERSION" val="1.0"/>
   <p:tag name="KSO_WM_BEAUTIFY_FLAG" val="#wm#"/>
   <p:tag name="KSO_WM_TEMPLATE_CATEGORY" val="diagram"/>
   <p:tag name="KSO_WM_TEMPLATE_INDEX" val="20200773"/>
+  <p:tag name="KSO_WM_SLIDE_LAYOUT" val="a_f"/>
+  <p:tag name="KSO_WM_SLIDE_LAYOUT_CNT" val="1_1"/>
+  <p:tag name="KSO_WM_SLIDE_TYPE" val="text"/>
+  <p:tag name="KSO_WM_SLIDE_SUBTYPE" val="picTxt"/>
+  <p:tag name="KSO_WM_SLIDE_SIZE" val="960*511"/>
+  <p:tag name="KSO_WM_SLIDE_POSITION" val="0*0"/>
+  <p:tag name="KSO_WM_SLIDE_COLORSCHEME_VERSION" val="3.2"/>
+  <p:tag name="KSO_WM_TEMPLATE_SUBCATEGORY" val="0"/>
 </p:tagLst>
 </file>
 
-<file path=ppt/tags/tag226.xml><?xml version="1.0" encoding="utf-8"?>
+<file path=ppt/tags/tag227.xml><?xml version="1.0" encoding="utf-8"?>
 <p:tagLst xmlns:a="http://schemas.openxmlformats.org/drawingml/2006/main" xmlns:r="http://schemas.openxmlformats.org/officeDocument/2006/relationships" xmlns:p="http://schemas.openxmlformats.org/presentationml/2006/main">
   <p:tag name="KSO_WM_UNIT_HIGHLIGHT" val="0"/>
   <p:tag name="KSO_WM_UNIT_COMPATIBLE" val="0"/>
@@ -25637,7 +25232,7 @@
 </p:tagLst>
 </file>
 
-<file path=ppt/tags/tag227.xml><?xml version="1.0" encoding="utf-8"?>
+<file path=ppt/tags/tag228.xml><?xml version="1.0" encoding="utf-8"?>
 <p:tagLst xmlns:a="http://schemas.openxmlformats.org/drawingml/2006/main" xmlns:r="http://schemas.openxmlformats.org/officeDocument/2006/relationships" xmlns:p="http://schemas.openxmlformats.org/presentationml/2006/main">
   <p:tag name="KSO_WM_UNIT_HIGHLIGHT" val="0"/>
   <p:tag name="KSO_WM_UNIT_COMPATIBLE" val="0"/>
@@ -25658,26 +25253,6 @@
 </p:tagLst>
 </file>
 
-<file path=ppt/tags/tag228.xml><?xml version="1.0" encoding="utf-8"?>
-<p:tagLst xmlns:a="http://schemas.openxmlformats.org/drawingml/2006/main" xmlns:r="http://schemas.openxmlformats.org/officeDocument/2006/relationships" xmlns:p="http://schemas.openxmlformats.org/presentationml/2006/main">
-  <p:tag name="KSO_WM_UNIT_HIGHLIGHT" val="0"/>
-  <p:tag name="KSO_WM_UNIT_COMPATIBLE" val="0"/>
-  <p:tag name="KSO_WM_UNIT_DIAGRAM_ISNUMVISUAL" val="0"/>
-  <p:tag name="KSO_WM_UNIT_DIAGRAM_ISREFERUNIT" val="0"/>
-  <p:tag name="KSO_WM_UNIT_ID" val="diagram20200773_1*f*1"/>
-  <p:tag name="KSO_WM_TEMPLATE_CATEGORY" val="diagram"/>
-  <p:tag name="KSO_WM_TEMPLATE_INDEX" val="20200773"/>
-  <p:tag name="KSO_WM_UNIT_LAYERLEVEL" val="1"/>
-  <p:tag name="KSO_WM_TAG_VERSION" val="1.0"/>
-  <p:tag name="KSO_WM_BEAUTIFY_FLAG" val="#wm#"/>
-  <p:tag name="KSO_WM_UNIT_PRESET_TEXT" val="单击此处添加文本具体内容，简明扼要的阐述您的观点。根据需要可酌情增减文字，以便观者准确的理解您传达的思想。单击此处添加文本具体内容，简明扼要的阐述您的观点。根据需要可酌情增减文字，以便观者准确的理解您传达的思想。单击此处添加文本具体内容，简明扼要的阐述您的观点。根据需要可酌情增减文字，以便观者准确的理解您传达的思想。&#10;单击此处添加文本具体内容，简明扼要的阐述您的观点。根据需要可酌情增减文字，以便观者准确的理解您传达的思想。&#10;单击此处添加文本具体内容，简明扼要的阐述您的观点。&#10;单击此处添加文本具体内容，简明扼要的阐述您的观点。&#10;单击此处添加文本具体内容，简明扼要的阐述您的观点。&#10;单击此处添加文本具体内容，简明扼要的阐述您的观点。根据需要可酌情增减文字，以便观者准确的理解您传达的思想。单击此处添加文本具体内容，简明扼要的阐述您的观点。根据需要可酌情增减文字，以便观者准确的理解您传达的思想。单击此处添加文本具体内容，简明扼要的阐述您的观点。根据需要可酌情增减文字，以便观者准确的理解您传达的思想。单击此处添加文本具体内容，简明扼要的阐述您的观点。&#10;单击此处添加文本具体内容，简明扼要的阐述您的观点。根据需要可酌情增减文字，以便观者准确的理解您传达的思想。单击此处添加文本具体内容，简明扼要的阐述您的观点。根据需要可酌情增减文字，以便观者准确的理解您传达的思想。&#10;单击此处添加文本具体内容，简明扼要的阐述您的观点。根据需要可酌情增减文字，以便观者准确的理解您传达的思想。单击此处添加文本具体内容，简明扼要的阐述您的观点。根据需要可酌情增减文字，以便观者准确的理解您传达的思想。单击此处添加文本具体内容，简明扼要的阐述您的观点。根据需要可酌情增减文字，以便观者准确的理解您传达的思想。&#10;单击此处添加文本具体内容。"/>
-  <p:tag name="KSO_WM_UNIT_NOCLEAR" val="0"/>
-  <p:tag name="KSO_WM_UNIT_VALUE" val="1680"/>
-  <p:tag name="KSO_WM_UNIT_TYPE" val="f"/>
-  <p:tag name="KSO_WM_UNIT_INDEX" val="1"/>
-</p:tagLst>
-</file>
-
 <file path=ppt/tags/tag229.xml><?xml version="1.0" encoding="utf-8"?>
 <p:tagLst xmlns:a="http://schemas.openxmlformats.org/drawingml/2006/main" xmlns:r="http://schemas.openxmlformats.org/officeDocument/2006/relationships" xmlns:p="http://schemas.openxmlformats.org/presentationml/2006/main">
   <p:tag name="KSO_WM_UNIT_HIGHLIGHT" val="0"/>
@@ -25713,6 +25288,44 @@
 
 <file path=ppt/tags/tag230.xml><?xml version="1.0" encoding="utf-8"?>
 <p:tagLst xmlns:a="http://schemas.openxmlformats.org/drawingml/2006/main" xmlns:r="http://schemas.openxmlformats.org/officeDocument/2006/relationships" xmlns:p="http://schemas.openxmlformats.org/presentationml/2006/main">
+  <p:tag name="KSO_WM_TAG_VERSION" val="1.0"/>
+  <p:tag name="KSO_WM_SLIDE_ITEM_CNT" val="0"/>
+  <p:tag name="KSO_WM_SLIDE_LAYOUT" val="a_b_e"/>
+  <p:tag name="KSO_WM_SLIDE_LAYOUT_CNT" val="1_1_1"/>
+  <p:tag name="KSO_WM_SLIDE_TYPE" val="sectionTitle"/>
+  <p:tag name="KSO_WM_BEAUTIFY_FLAG" val="#wm#"/>
+  <p:tag name="KSO_WM_SLIDE_SUBTYPE" val="pureTxt"/>
+  <p:tag name="KSO_WM_COMBINE_RELATE_SLIDE_ID" val="background20185112_7"/>
+  <p:tag name="KSO_WM_TEMPLATE_CATEGORY" val="custom"/>
+  <p:tag name="KSO_WM_TEMPLATE_INDEX" val="20189051"/>
+  <p:tag name="KSO_WM_SLIDE_ID" val="custom20189051_7"/>
+  <p:tag name="KSO_WM_SLIDE_INDEX" val="7"/>
+  <p:tag name="KSO_WM_TEMPLATE_SUBCATEGORY" val="0"/>
+</p:tagLst>
+</file>
+
+<file path=ppt/tags/tag231.xml><?xml version="1.0" encoding="utf-8"?>
+<p:tagLst xmlns:a="http://schemas.openxmlformats.org/drawingml/2006/main" xmlns:r="http://schemas.openxmlformats.org/officeDocument/2006/relationships" xmlns:p="http://schemas.openxmlformats.org/presentationml/2006/main">
+  <p:tag name="KSO_WM_TAG_VERSION" val="1.0"/>
+  <p:tag name="KSO_WM_BEAUTIFY_FLAG" val="#wm#"/>
+  <p:tag name="KSO_WM_UNIT_TYPE" val="e"/>
+  <p:tag name="KSO_WM_UNIT_INDEX" val="1"/>
+  <p:tag name="KSO_WM_UNIT_LAYERLEVEL" val="1"/>
+  <p:tag name="KSO_WM_UNIT_VALUE" val="2"/>
+  <p:tag name="KSO_WM_UNIT_HIGHLIGHT" val="0"/>
+  <p:tag name="KSO_WM_UNIT_COMPATIBLE" val="1"/>
+  <p:tag name="KSO_WM_UNIT_PRESET_TEXT" val="01"/>
+  <p:tag name="KSO_WM_TEMPLATE_CATEGORY" val="custom"/>
+  <p:tag name="KSO_WM_TEMPLATE_INDEX" val="20189051"/>
+  <p:tag name="KSO_WM_UNIT_ID" val="custom20189051_7*e*1"/>
+  <p:tag name="KSO_WM_UNIT_NOCLEAR" val="0"/>
+  <p:tag name="KSO_WM_UNIT_DIAGRAM_ISNUMVISUAL" val="0"/>
+  <p:tag name="KSO_WM_UNIT_DIAGRAM_ISREFERUNIT" val="0"/>
+</p:tagLst>
+</file>
+
+<file path=ppt/tags/tag232.xml><?xml version="1.0" encoding="utf-8"?>
+<p:tagLst xmlns:a="http://schemas.openxmlformats.org/drawingml/2006/main" xmlns:r="http://schemas.openxmlformats.org/officeDocument/2006/relationships" xmlns:p="http://schemas.openxmlformats.org/presentationml/2006/main">
   <p:tag name="KSO_WM_SLIDE_ID" val="diagram20200773_1"/>
   <p:tag name="KSO_WM_SLIDE_ITEM_CNT" val="0"/>
   <p:tag name="KSO_WM_SLIDE_INDEX" val="1"/>
@@ -25731,7 +25344,7 @@
 </p:tagLst>
 </file>
 
-<file path=ppt/tags/tag231.xml><?xml version="1.0" encoding="utf-8"?>
+<file path=ppt/tags/tag233.xml><?xml version="1.0" encoding="utf-8"?>
 <p:tagLst xmlns:a="http://schemas.openxmlformats.org/drawingml/2006/main" xmlns:r="http://schemas.openxmlformats.org/officeDocument/2006/relationships" xmlns:p="http://schemas.openxmlformats.org/presentationml/2006/main">
   <p:tag name="KSO_WM_UNIT_HIGHLIGHT" val="0"/>
   <p:tag name="KSO_WM_UNIT_COMPATIBLE" val="0"/>
@@ -25748,7 +25361,7 @@
 </p:tagLst>
 </file>
 
-<file path=ppt/tags/tag232.xml><?xml version="1.0" encoding="utf-8"?>
+<file path=ppt/tags/tag234.xml><?xml version="1.0" encoding="utf-8"?>
 <p:tagLst xmlns:a="http://schemas.openxmlformats.org/drawingml/2006/main" xmlns:r="http://schemas.openxmlformats.org/officeDocument/2006/relationships" xmlns:p="http://schemas.openxmlformats.org/presentationml/2006/main">
   <p:tag name="KSO_WM_UNIT_HIGHLIGHT" val="0"/>
   <p:tag name="KSO_WM_UNIT_COMPATIBLE" val="0"/>
@@ -25769,7 +25382,7 @@
 </p:tagLst>
 </file>
 
-<file path=ppt/tags/tag233.xml><?xml version="1.0" encoding="utf-8"?>
+<file path=ppt/tags/tag235.xml><?xml version="1.0" encoding="utf-8"?>
 <p:tagLst xmlns:a="http://schemas.openxmlformats.org/drawingml/2006/main" xmlns:r="http://schemas.openxmlformats.org/officeDocument/2006/relationships" xmlns:p="http://schemas.openxmlformats.org/presentationml/2006/main">
   <p:tag name="KSO_WM_UNIT_HIGHLIGHT" val="0"/>
   <p:tag name="KSO_WM_UNIT_COMPATIBLE" val="0"/>
@@ -25789,136 +25402,7 @@
 </p:tagLst>
 </file>
 
-<file path=ppt/tags/tag234.xml><?xml version="1.0" encoding="utf-8"?>
-<p:tagLst xmlns:a="http://schemas.openxmlformats.org/drawingml/2006/main" xmlns:r="http://schemas.openxmlformats.org/officeDocument/2006/relationships" xmlns:p="http://schemas.openxmlformats.org/presentationml/2006/main">
-  <p:tag name="KSO_WM_TAG_VERSION" val="1.0"/>
-  <p:tag name="KSO_WM_SLIDE_ITEM_CNT" val="0"/>
-  <p:tag name="KSO_WM_SLIDE_LAYOUT" val="a_b_e"/>
-  <p:tag name="KSO_WM_SLIDE_LAYOUT_CNT" val="1_1_1"/>
-  <p:tag name="KSO_WM_SLIDE_TYPE" val="sectionTitle"/>
-  <p:tag name="KSO_WM_BEAUTIFY_FLAG" val="#wm#"/>
-  <p:tag name="KSO_WM_SLIDE_SUBTYPE" val="pureTxt"/>
-  <p:tag name="KSO_WM_COMBINE_RELATE_SLIDE_ID" val="background20185112_7"/>
-  <p:tag name="KSO_WM_TEMPLATE_CATEGORY" val="custom"/>
-  <p:tag name="KSO_WM_TEMPLATE_INDEX" val="20189051"/>
-  <p:tag name="KSO_WM_SLIDE_ID" val="custom20189051_7"/>
-  <p:tag name="KSO_WM_SLIDE_INDEX" val="7"/>
-  <p:tag name="KSO_WM_TEMPLATE_SUBCATEGORY" val="0"/>
-</p:tagLst>
-</file>
-
-<file path=ppt/tags/tag235.xml><?xml version="1.0" encoding="utf-8"?>
-<p:tagLst xmlns:a="http://schemas.openxmlformats.org/drawingml/2006/main" xmlns:r="http://schemas.openxmlformats.org/officeDocument/2006/relationships" xmlns:p="http://schemas.openxmlformats.org/presentationml/2006/main">
-  <p:tag name="KSO_WM_TAG_VERSION" val="1.0"/>
-  <p:tag name="KSO_WM_BEAUTIFY_FLAG" val="#wm#"/>
-  <p:tag name="KSO_WM_UNIT_TYPE" val="e"/>
-  <p:tag name="KSO_WM_UNIT_INDEX" val="1"/>
-  <p:tag name="KSO_WM_UNIT_LAYERLEVEL" val="1"/>
-  <p:tag name="KSO_WM_UNIT_VALUE" val="2"/>
-  <p:tag name="KSO_WM_UNIT_HIGHLIGHT" val="0"/>
-  <p:tag name="KSO_WM_UNIT_COMPATIBLE" val="1"/>
-  <p:tag name="KSO_WM_UNIT_PRESET_TEXT" val="01"/>
-  <p:tag name="KSO_WM_TEMPLATE_CATEGORY" val="custom"/>
-  <p:tag name="KSO_WM_TEMPLATE_INDEX" val="20189051"/>
-  <p:tag name="KSO_WM_UNIT_ID" val="custom20189051_7*e*1"/>
-  <p:tag name="KSO_WM_UNIT_NOCLEAR" val="0"/>
-  <p:tag name="KSO_WM_UNIT_DIAGRAM_ISNUMVISUAL" val="0"/>
-  <p:tag name="KSO_WM_UNIT_DIAGRAM_ISREFERUNIT" val="0"/>
-</p:tagLst>
-</file>
-
 <file path=ppt/tags/tag236.xml><?xml version="1.0" encoding="utf-8"?>
-<p:tagLst xmlns:a="http://schemas.openxmlformats.org/drawingml/2006/main" xmlns:r="http://schemas.openxmlformats.org/officeDocument/2006/relationships" xmlns:p="http://schemas.openxmlformats.org/presentationml/2006/main">
-  <p:tag name="KSO_WM_SLIDE_ID" val="diagram20200773_1"/>
-  <p:tag name="KSO_WM_SLIDE_ITEM_CNT" val="0"/>
-  <p:tag name="KSO_WM_SLIDE_INDEX" val="1"/>
-  <p:tag name="KSO_WM_TAG_VERSION" val="1.0"/>
-  <p:tag name="KSO_WM_BEAUTIFY_FLAG" val="#wm#"/>
-  <p:tag name="KSO_WM_TEMPLATE_CATEGORY" val="diagram"/>
-  <p:tag name="KSO_WM_TEMPLATE_INDEX" val="20200773"/>
-  <p:tag name="KSO_WM_SLIDE_LAYOUT" val="a_f"/>
-  <p:tag name="KSO_WM_SLIDE_LAYOUT_CNT" val="1_1"/>
-  <p:tag name="KSO_WM_SLIDE_TYPE" val="text"/>
-  <p:tag name="KSO_WM_SLIDE_SUBTYPE" val="picTxt"/>
-  <p:tag name="KSO_WM_SLIDE_SIZE" val="960*511"/>
-  <p:tag name="KSO_WM_SLIDE_POSITION" val="0*0"/>
-  <p:tag name="KSO_WM_SLIDE_COLORSCHEME_VERSION" val="3.2"/>
-  <p:tag name="KSO_WM_TEMPLATE_SUBCATEGORY" val="0"/>
-</p:tagLst>
-</file>
-
-<file path=ppt/tags/tag237.xml><?xml version="1.0" encoding="utf-8"?>
-<p:tagLst xmlns:a="http://schemas.openxmlformats.org/drawingml/2006/main" xmlns:r="http://schemas.openxmlformats.org/officeDocument/2006/relationships" xmlns:p="http://schemas.openxmlformats.org/presentationml/2006/main">
-  <p:tag name="KSO_WM_UNIT_HIGHLIGHT" val="0"/>
-  <p:tag name="KSO_WM_UNIT_COMPATIBLE" val="0"/>
-  <p:tag name="KSO_WM_UNIT_DIAGRAM_ISNUMVISUAL" val="0"/>
-  <p:tag name="KSO_WM_UNIT_DIAGRAM_ISREFERUNIT" val="0"/>
-  <p:tag name="KSO_WM_UNIT_ID" val="diagram20200773_1*i*1"/>
-  <p:tag name="KSO_WM_TEMPLATE_CATEGORY" val="diagram"/>
-  <p:tag name="KSO_WM_TEMPLATE_INDEX" val="20200773"/>
-  <p:tag name="KSO_WM_UNIT_LAYERLEVEL" val="1"/>
-  <p:tag name="KSO_WM_TAG_VERSION" val="1.0"/>
-  <p:tag name="KSO_WM_BEAUTIFY_FLAG" val="#wm#"/>
-  <p:tag name="KSO_WM_UNIT_TYPE" val="i"/>
-  <p:tag name="KSO_WM_UNIT_INDEX" val="1"/>
-</p:tagLst>
-</file>
-
-<file path=ppt/tags/tag238.xml><?xml version="1.0" encoding="utf-8"?>
-<p:tagLst xmlns:a="http://schemas.openxmlformats.org/drawingml/2006/main" xmlns:r="http://schemas.openxmlformats.org/officeDocument/2006/relationships" xmlns:p="http://schemas.openxmlformats.org/presentationml/2006/main">
-  <p:tag name="KSO_WM_UNIT_HIGHLIGHT" val="0"/>
-  <p:tag name="KSO_WM_UNIT_COMPATIBLE" val="0"/>
-  <p:tag name="KSO_WM_UNIT_DIAGRAM_ISNUMVISUAL" val="0"/>
-  <p:tag name="KSO_WM_UNIT_DIAGRAM_ISREFERUNIT" val="0"/>
-  <p:tag name="KSO_WM_UNIT_ID" val="diagram20200773_1*a*1"/>
-  <p:tag name="KSO_WM_TEMPLATE_CATEGORY" val="diagram"/>
-  <p:tag name="KSO_WM_TEMPLATE_INDEX" val="20200773"/>
-  <p:tag name="KSO_WM_UNIT_LAYERLEVEL" val="1"/>
-  <p:tag name="KSO_WM_TAG_VERSION" val="1.0"/>
-  <p:tag name="KSO_WM_BEAUTIFY_FLAG" val="#wm#"/>
-  <p:tag name="KSO_WM_UNIT_ISCONTENTSTITLE" val="0"/>
-  <p:tag name="KSO_WM_UNIT_PRESET_TEXT" val="单击此处添加标题"/>
-  <p:tag name="KSO_WM_UNIT_NOCLEAR" val="0"/>
-  <p:tag name="KSO_WM_UNIT_VALUE" val="42"/>
-  <p:tag name="KSO_WM_UNIT_TYPE" val="a"/>
-  <p:tag name="KSO_WM_UNIT_INDEX" val="1"/>
-</p:tagLst>
-</file>
-
-<file path=ppt/tags/tag239.xml><?xml version="1.0" encoding="utf-8"?>
-<p:tagLst xmlns:a="http://schemas.openxmlformats.org/drawingml/2006/main" xmlns:r="http://schemas.openxmlformats.org/officeDocument/2006/relationships" xmlns:p="http://schemas.openxmlformats.org/presentationml/2006/main">
-  <p:tag name="KSO_WM_UNIT_HIGHLIGHT" val="0"/>
-  <p:tag name="KSO_WM_UNIT_COMPATIBLE" val="0"/>
-  <p:tag name="KSO_WM_UNIT_DIAGRAM_ISNUMVISUAL" val="0"/>
-  <p:tag name="KSO_WM_UNIT_DIAGRAM_ISREFERUNIT" val="0"/>
-  <p:tag name="KSO_WM_UNIT_ID" val="diagram20200773_1*f*1"/>
-  <p:tag name="KSO_WM_TEMPLATE_CATEGORY" val="diagram"/>
-  <p:tag name="KSO_WM_TEMPLATE_INDEX" val="20200773"/>
-  <p:tag name="KSO_WM_UNIT_LAYERLEVEL" val="1"/>
-  <p:tag name="KSO_WM_TAG_VERSION" val="1.0"/>
-  <p:tag name="KSO_WM_BEAUTIFY_FLAG" val="#wm#"/>
-  <p:tag name="KSO_WM_UNIT_PRESET_TEXT" val="单击此处添加文本具体内容，简明扼要的阐述您的观点。根据需要可酌情增减文字，以便观者准确的理解您传达的思想。单击此处添加文本具体内容，简明扼要的阐述您的观点。根据需要可酌情增减文字，以便观者准确的理解您传达的思想。单击此处添加文本具体内容，简明扼要的阐述您的观点。根据需要可酌情增减文字，以便观者准确的理解您传达的思想。&#10;单击此处添加文本具体内容，简明扼要的阐述您的观点。根据需要可酌情增减文字，以便观者准确的理解您传达的思想。&#10;单击此处添加文本具体内容，简明扼要的阐述您的观点。&#10;单击此处添加文本具体内容，简明扼要的阐述您的观点。&#10;单击此处添加文本具体内容，简明扼要的阐述您的观点。&#10;单击此处添加文本具体内容，简明扼要的阐述您的观点。根据需要可酌情增减文字，以便观者准确的理解您传达的思想。单击此处添加文本具体内容，简明扼要的阐述您的观点。根据需要可酌情增减文字，以便观者准确的理解您传达的思想。单击此处添加文本具体内容，简明扼要的阐述您的观点。根据需要可酌情增减文字，以便观者准确的理解您传达的思想。单击此处添加文本具体内容，简明扼要的阐述您的观点。&#10;单击此处添加文本具体内容，简明扼要的阐述您的观点。根据需要可酌情增减文字，以便观者准确的理解您传达的思想。单击此处添加文本具体内容，简明扼要的阐述您的观点。根据需要可酌情增减文字，以便观者准确的理解您传达的思想。&#10;单击此处添加文本具体内容，简明扼要的阐述您的观点。根据需要可酌情增减文字，以便观者准确的理解您传达的思想。单击此处添加文本具体内容，简明扼要的阐述您的观点。根据需要可酌情增减文字，以便观者准确的理解您传达的思想。单击此处添加文本具体内容，简明扼要的阐述您的观点。根据需要可酌情增减文字，以便观者准确的理解您传达的思想。&#10;单击此处添加文本具体内容。"/>
-  <p:tag name="KSO_WM_UNIT_NOCLEAR" val="0"/>
-  <p:tag name="KSO_WM_UNIT_VALUE" val="1680"/>
-  <p:tag name="KSO_WM_UNIT_TYPE" val="f"/>
-  <p:tag name="KSO_WM_UNIT_INDEX" val="1"/>
-</p:tagLst>
-</file>
-
-<file path=ppt/tags/tag24.xml><?xml version="1.0" encoding="utf-8"?>
-<p:tagLst xmlns:a="http://schemas.openxmlformats.org/drawingml/2006/main" xmlns:r="http://schemas.openxmlformats.org/officeDocument/2006/relationships" xmlns:p="http://schemas.openxmlformats.org/presentationml/2006/main">
-  <p:tag name="KSO_WM_UNIT_HIGHLIGHT" val="0"/>
-  <p:tag name="KSO_WM_UNIT_COMPATIBLE" val="0"/>
-  <p:tag name="KSO_WM_UNIT_DIAGRAM_ISNUMVISUAL" val="0"/>
-  <p:tag name="KSO_WM_UNIT_DIAGRAM_ISREFERUNIT" val="0"/>
-  <p:tag name="KSO_WM_UNIT_ID" val="_2**"/>
-  <p:tag name="KSO_WM_UNIT_LAYERLEVEL" val="1"/>
-  <p:tag name="KSO_WM_TAG_VERSION" val="1.0"/>
-  <p:tag name="KSO_WM_BEAUTIFY_FLAG" val="#wm#"/>
-</p:tagLst>
-</file>
-
-<file path=ppt/tags/tag240.xml><?xml version="1.0" encoding="utf-8"?>
 <p:tagLst xmlns:a="http://schemas.openxmlformats.org/drawingml/2006/main" xmlns:r="http://schemas.openxmlformats.org/officeDocument/2006/relationships" xmlns:p="http://schemas.openxmlformats.org/presentationml/2006/main">
   <p:tag name="KSO_WM_TAG_VERSION" val="1.0"/>
   <p:tag name="KSO_WM_SLIDE_ITEM_CNT" val="0"/>
@@ -25936,7 +25420,7 @@
 </p:tagLst>
 </file>
 
-<file path=ppt/tags/tag241.xml><?xml version="1.0" encoding="utf-8"?>
+<file path=ppt/tags/tag237.xml><?xml version="1.0" encoding="utf-8"?>
 <p:tagLst xmlns:a="http://schemas.openxmlformats.org/drawingml/2006/main" xmlns:r="http://schemas.openxmlformats.org/officeDocument/2006/relationships" xmlns:p="http://schemas.openxmlformats.org/presentationml/2006/main">
   <p:tag name="KSO_WM_TAG_VERSION" val="1.0"/>
   <p:tag name="KSO_WM_BEAUTIFY_FLAG" val="#wm#"/>
@@ -25957,7 +25441,7 @@
 </p:tagLst>
 </file>
 
-<file path=ppt/tags/tag242.xml><?xml version="1.0" encoding="utf-8"?>
+<file path=ppt/tags/tag238.xml><?xml version="1.0" encoding="utf-8"?>
 <p:tagLst xmlns:a="http://schemas.openxmlformats.org/drawingml/2006/main" xmlns:r="http://schemas.openxmlformats.org/officeDocument/2006/relationships" xmlns:p="http://schemas.openxmlformats.org/presentationml/2006/main">
   <p:tag name="KSO_WM_TAG_VERSION" val="1.0"/>
   <p:tag name="KSO_WM_BEAUTIFY_FLAG" val="#wm#"/>
@@ -25975,6 +25459,19 @@
   <p:tag name="KSO_WM_UNIT_NOCLEAR" val="0"/>
   <p:tag name="KSO_WM_UNIT_DIAGRAM_ISNUMVISUAL" val="0"/>
   <p:tag name="KSO_WM_UNIT_DIAGRAM_ISREFERUNIT" val="0"/>
+</p:tagLst>
+</file>
+
+<file path=ppt/tags/tag24.xml><?xml version="1.0" encoding="utf-8"?>
+<p:tagLst xmlns:a="http://schemas.openxmlformats.org/drawingml/2006/main" xmlns:r="http://schemas.openxmlformats.org/officeDocument/2006/relationships" xmlns:p="http://schemas.openxmlformats.org/presentationml/2006/main">
+  <p:tag name="KSO_WM_UNIT_HIGHLIGHT" val="0"/>
+  <p:tag name="KSO_WM_UNIT_COMPATIBLE" val="0"/>
+  <p:tag name="KSO_WM_UNIT_DIAGRAM_ISNUMVISUAL" val="0"/>
+  <p:tag name="KSO_WM_UNIT_DIAGRAM_ISREFERUNIT" val="0"/>
+  <p:tag name="KSO_WM_UNIT_ID" val="_2**"/>
+  <p:tag name="KSO_WM_UNIT_LAYERLEVEL" val="1"/>
+  <p:tag name="KSO_WM_TAG_VERSION" val="1.0"/>
+  <p:tag name="KSO_WM_BEAUTIFY_FLAG" val="#wm#"/>
 </p:tagLst>
 </file>
 
